--- a/powerpoint.pptx
+++ b/powerpoint.pptx
@@ -10,7 +10,8 @@
     <p:sldId id="258" r:id="rId4"/>
     <p:sldId id="259" r:id="rId5"/>
     <p:sldId id="260" r:id="rId6"/>
-    <p:sldId id="262" r:id="rId7"/>
+    <p:sldId id="263" r:id="rId7"/>
+    <p:sldId id="262" r:id="rId8"/>
   </p:sldIdLst>
   <p:sldSz cx="12192000" cy="6858000"/>
   <p:notesSz cx="6858000" cy="9144000"/>
@@ -3000,7 +3001,15 @@
           <a:p>
             <a:r>
               <a:rPr lang="en-US" dirty="0" smtClean="0"/>
-              <a:t>Analyzing frequency of construction issues</a:t>
+              <a:t>Analyzing </a:t>
+            </a:r>
+            <a:r>
+              <a:rPr lang="en-US" dirty="0" smtClean="0"/>
+              <a:t>the frequency </a:t>
+            </a:r>
+            <a:r>
+              <a:rPr lang="en-US" dirty="0" smtClean="0"/>
+              <a:t>of construction issues</a:t>
             </a:r>
             <a:endParaRPr lang="en-US" dirty="0"/>
           </a:p>
@@ -3023,15 +3032,7 @@
           <a:p>
             <a:r>
               <a:rPr lang="en-US" dirty="0" smtClean="0"/>
-              <a:t>Amber V, </a:t>
-            </a:r>
-            <a:r>
-              <a:rPr lang="en-US" dirty="0" smtClean="0"/>
-              <a:t>TZ and </a:t>
-            </a:r>
-            <a:r>
-              <a:rPr lang="en-US" dirty="0" smtClean="0"/>
-              <a:t>MJ</a:t>
+              <a:t>Amber V, TZ and MJ</a:t>
             </a:r>
             <a:endParaRPr lang="en-US" dirty="0"/>
           </a:p>
@@ -3114,7 +3115,9 @@
           </a:xfrm>
         </p:spPr>
         <p:txBody>
-          <a:bodyPr/>
+          <a:bodyPr>
+            <a:normAutofit/>
+          </a:bodyPr>
           <a:lstStyle/>
           <a:p>
             <a:r>
@@ -3125,7 +3128,66 @@
           <a:p>
             <a:r>
               <a:rPr lang="en-US" dirty="0" smtClean="0"/>
-              <a:t>During planning and </a:t>
+              <a:t>During planning and construction phases of a project, issues arise that need to be dealt with</a:t>
+            </a:r>
+          </a:p>
+          <a:p>
+            <a:pPr lvl="1"/>
+            <a:r>
+              <a:rPr lang="en-US" dirty="0" smtClean="0"/>
+              <a:t>These issues can increase re-work on the project</a:t>
+            </a:r>
+          </a:p>
+          <a:p>
+            <a:pPr lvl="1"/>
+            <a:r>
+              <a:rPr lang="en-US" dirty="0" smtClean="0"/>
+              <a:t>These issues can have a profound impact on overall safety</a:t>
+            </a:r>
+          </a:p>
+          <a:p>
+            <a:pPr lvl="1"/>
+            <a:r>
+              <a:rPr lang="en-US" dirty="0" smtClean="0"/>
+              <a:t>These issues delay the completion of the project</a:t>
+            </a:r>
+          </a:p>
+          <a:p>
+            <a:pPr lvl="1"/>
+            <a:r>
+              <a:rPr lang="en-US" dirty="0" smtClean="0"/>
+              <a:t>These issues therefore cost the construction firm </a:t>
+            </a:r>
+            <a:r>
+              <a:rPr lang="en-US" dirty="0" smtClean="0"/>
+              <a:t>money $$$</a:t>
+            </a:r>
+            <a:endParaRPr lang="en-US" dirty="0" smtClean="0"/>
+          </a:p>
+          <a:p>
+            <a:r>
+              <a:rPr lang="en-US" dirty="0" smtClean="0"/>
+              <a:t>The goal of this </a:t>
+            </a:r>
+            <a:r>
+              <a:rPr lang="en-US" dirty="0" smtClean="0"/>
+              <a:t>exercise </a:t>
+            </a:r>
+            <a:r>
+              <a:rPr lang="en-US" dirty="0" smtClean="0"/>
+              <a:t>is to use </a:t>
+            </a:r>
+            <a:r>
+              <a:rPr lang="en-US" dirty="0" smtClean="0"/>
+              <a:t>the existing </a:t>
+            </a:r>
+            <a:r>
+              <a:rPr lang="en-US" dirty="0" smtClean="0"/>
+              <a:t>data from </a:t>
+            </a:r>
+            <a:r>
+              <a:rPr lang="en-US" dirty="0" smtClean="0"/>
+              <a:t>110 </a:t>
             </a:r>
             <a:r>
               <a:rPr lang="en-US" dirty="0" smtClean="0"/>
@@ -3133,58 +3195,11 @@
             </a:r>
             <a:r>
               <a:rPr lang="en-US" dirty="0" smtClean="0"/>
-              <a:t>phases of a project</a:t>
-            </a:r>
-            <a:r>
-              <a:rPr lang="en-US" dirty="0" smtClean="0"/>
-              <a:t>, issues arise that need to be dealt with</a:t>
-            </a:r>
-          </a:p>
-          <a:p>
-            <a:pPr lvl="1"/>
-            <a:r>
-              <a:rPr lang="en-US" dirty="0" smtClean="0"/>
-              <a:t>These issues can increase re-work on the project</a:t>
-            </a:r>
-          </a:p>
-          <a:p>
-            <a:pPr lvl="1"/>
-            <a:r>
-              <a:rPr lang="en-US" dirty="0" smtClean="0"/>
-              <a:t>These issues can have a profound impact on overall safety</a:t>
-            </a:r>
-            <a:endParaRPr lang="en-US" dirty="0" smtClean="0"/>
-          </a:p>
-          <a:p>
-            <a:pPr lvl="1"/>
-            <a:r>
-              <a:rPr lang="en-US" dirty="0" smtClean="0"/>
-              <a:t>These </a:t>
-            </a:r>
-            <a:r>
-              <a:rPr lang="en-US" dirty="0" smtClean="0"/>
-              <a:t>issues delay the completion of the project</a:t>
-            </a:r>
-          </a:p>
-          <a:p>
-            <a:pPr lvl="1"/>
-            <a:r>
-              <a:rPr lang="en-US" dirty="0" smtClean="0"/>
-              <a:t>These issues therefore cost the construction firm money</a:t>
-            </a:r>
-          </a:p>
-          <a:p>
-            <a:r>
-              <a:rPr lang="en-US" dirty="0" smtClean="0"/>
-              <a:t>The goal of this project is to use existing data from a </a:t>
-            </a:r>
-            <a:r>
-              <a:rPr lang="en-US" dirty="0" smtClean="0"/>
-              <a:t>110 construction </a:t>
-            </a:r>
-            <a:r>
-              <a:rPr lang="en-US" dirty="0" smtClean="0"/>
-              <a:t>project to see if we could identify issues that come up often</a:t>
+              <a:t>projects </a:t>
+            </a:r>
+            <a:r>
+              <a:rPr lang="en-US" dirty="0" smtClean="0"/>
+              <a:t>to see if we could identify issues that come up often</a:t>
             </a:r>
           </a:p>
           <a:p>
@@ -3280,11 +3295,15 @@
             </a:pPr>
             <a:r>
               <a:rPr lang="en-US" dirty="0" smtClean="0"/>
-              <a:t>Gather, aggregate and clean the </a:t>
-            </a:r>
-            <a:r>
-              <a:rPr lang="en-US" dirty="0" smtClean="0"/>
-              <a:t>data</a:t>
+              <a:t>Gather, </a:t>
+            </a:r>
+            <a:r>
+              <a:rPr lang="en-US" dirty="0" smtClean="0"/>
+              <a:t>aggregate, </a:t>
+            </a:r>
+            <a:r>
+              <a:rPr lang="en-US" dirty="0" smtClean="0"/>
+              <a:t>and clean the data</a:t>
             </a:r>
           </a:p>
           <a:p>
@@ -3294,7 +3313,15 @@
             </a:pPr>
             <a:r>
               <a:rPr lang="en-US" dirty="0" smtClean="0"/>
-              <a:t>Analyze the existing “issues character field” in the pre-existing data</a:t>
+              <a:t>Analyze the existing “</a:t>
+            </a:r>
+            <a:r>
+              <a:rPr lang="en-US" dirty="0" smtClean="0"/>
+              <a:t>issues” </a:t>
+            </a:r>
+            <a:r>
+              <a:rPr lang="en-US" dirty="0" smtClean="0"/>
+              <a:t>in the pre-existing data</a:t>
             </a:r>
           </a:p>
           <a:p>
@@ -3324,8 +3351,13 @@
             </a:pPr>
             <a:r>
               <a:rPr lang="en-US" dirty="0" smtClean="0"/>
-              <a:t>Issues are not always consistently documented between various project</a:t>
-            </a:r>
+              <a:t>Issues are not always consistently documented between various </a:t>
+            </a:r>
+            <a:r>
+              <a:rPr lang="en-US" dirty="0" smtClean="0"/>
+              <a:t>projects</a:t>
+            </a:r>
+            <a:endParaRPr lang="en-US" dirty="0" smtClean="0"/>
           </a:p>
           <a:p>
             <a:pPr marL="971550" lvl="1" indent="-514350">
@@ -3346,7 +3378,6 @@
               <a:rPr lang="en-US" dirty="0" smtClean="0"/>
               <a:t>Documenting issues is prone to human errors</a:t>
             </a:r>
-            <a:endParaRPr lang="en-US" dirty="0" smtClean="0"/>
           </a:p>
           <a:p>
             <a:pPr marL="971550" lvl="1" indent="-514350">
@@ -3362,7 +3393,11 @@
             </a:pPr>
             <a:r>
               <a:rPr lang="en-US" dirty="0" smtClean="0"/>
-              <a:t>Suction: </a:t>
+              <a:t>Solution</a:t>
+            </a:r>
+            <a:r>
+              <a:rPr lang="en-US" dirty="0" smtClean="0"/>
+              <a:t>: </a:t>
             </a:r>
             <a:r>
               <a:rPr lang="en-US" dirty="0"/>
@@ -3639,6 +3674,105 @@
 </file>
 
 <file path=ppt/slides/slide6.xml><?xml version="1.0" encoding="utf-8"?>
+<p:sld xmlns:a="http://schemas.openxmlformats.org/drawingml/2006/main" xmlns:r="http://schemas.openxmlformats.org/officeDocument/2006/relationships" xmlns:p="http://schemas.openxmlformats.org/presentationml/2006/main">
+  <p:cSld>
+    <p:spTree>
+      <p:nvGrpSpPr>
+        <p:cNvPr id="1" name=""/>
+        <p:cNvGrpSpPr/>
+        <p:nvPr/>
+      </p:nvGrpSpPr>
+      <p:grpSpPr>
+        <a:xfrm>
+          <a:off x="0" y="0"/>
+          <a:ext cx="0" cy="0"/>
+          <a:chOff x="0" y="0"/>
+          <a:chExt cx="0" cy="0"/>
+        </a:xfrm>
+      </p:grpSpPr>
+      <p:sp>
+        <p:nvSpPr>
+          <p:cNvPr id="2" name="Title 1"/>
+          <p:cNvSpPr>
+            <a:spLocks noGrp="1"/>
+          </p:cNvSpPr>
+          <p:nvPr>
+            <p:ph type="title"/>
+          </p:nvPr>
+        </p:nvSpPr>
+        <p:spPr/>
+        <p:txBody>
+          <a:bodyPr/>
+          <a:lstStyle/>
+          <a:p>
+            <a:endParaRPr lang="en-US"/>
+          </a:p>
+        </p:txBody>
+      </p:sp>
+      <p:sp>
+        <p:nvSpPr>
+          <p:cNvPr id="3" name="Content Placeholder 2"/>
+          <p:cNvSpPr>
+            <a:spLocks noGrp="1"/>
+          </p:cNvSpPr>
+          <p:nvPr>
+            <p:ph idx="1"/>
+          </p:nvPr>
+        </p:nvSpPr>
+        <p:spPr/>
+        <p:txBody>
+          <a:bodyPr/>
+          <a:lstStyle/>
+          <a:p>
+            <a:endParaRPr lang="en-US"/>
+          </a:p>
+        </p:txBody>
+      </p:sp>
+      <p:pic>
+        <p:nvPicPr>
+          <p:cNvPr id="4" name="Picture 3"/>
+          <p:cNvPicPr>
+            <a:picLocks noChangeAspect="1"/>
+          </p:cNvPicPr>
+          <p:nvPr/>
+        </p:nvPicPr>
+        <p:blipFill>
+          <a:blip r:embed="rId2"/>
+          <a:stretch>
+            <a:fillRect/>
+          </a:stretch>
+        </p:blipFill>
+        <p:spPr>
+          <a:xfrm>
+            <a:off x="476249" y="144915"/>
+            <a:ext cx="11430001" cy="6535896"/>
+          </a:xfrm>
+          <a:prstGeom prst="rect">
+            <a:avLst/>
+          </a:prstGeom>
+        </p:spPr>
+      </p:pic>
+    </p:spTree>
+    <p:extLst>
+      <p:ext uri="{BB962C8B-B14F-4D97-AF65-F5344CB8AC3E}">
+        <p14:creationId xmlns:p14="http://schemas.microsoft.com/office/powerpoint/2010/main" val="2989598279"/>
+      </p:ext>
+    </p:extLst>
+  </p:cSld>
+  <p:clrMapOvr>
+    <a:masterClrMapping/>
+  </p:clrMapOvr>
+  <p:timing>
+    <p:tnLst>
+      <p:par>
+        <p:cTn id="1" dur="indefinite" restart="never" nodeType="tmRoot"/>
+      </p:par>
+    </p:tnLst>
+  </p:timing>
+</p:sld>
+</file>
+
+<file path=ppt/slides/slide7.xml><?xml version="1.0" encoding="utf-8"?>
 <p:sld xmlns:a="http://schemas.openxmlformats.org/drawingml/2006/main" xmlns:r="http://schemas.openxmlformats.org/officeDocument/2006/relationships" xmlns:p="http://schemas.openxmlformats.org/presentationml/2006/main">
   <p:cSld>
     <p:spTree>

--- a/powerpoint.pptx
+++ b/powerpoint.pptx
@@ -160,7 +160,7 @@
           </a:lstStyle>
           <a:p>
             <a:r>
-              <a:rPr lang="en-US" smtClean="0"/>
+              <a:rPr lang="en-US"/>
               <a:t>Click to edit Master title style</a:t>
             </a:r>
             <a:endParaRPr lang="en-US" dirty="0"/>
@@ -225,7 +225,7 @@
           </a:lstStyle>
           <a:p>
             <a:r>
-              <a:rPr lang="en-US" smtClean="0"/>
+              <a:rPr lang="en-US"/>
               <a:t>Click to edit Master subtitle style</a:t>
             </a:r>
             <a:endParaRPr lang="en-US" dirty="0"/>
@@ -343,7 +343,7 @@
           <a:lstStyle/>
           <a:p>
             <a:r>
-              <a:rPr lang="en-US" smtClean="0"/>
+              <a:rPr lang="en-US"/>
               <a:t>Click to edit Master title style</a:t>
             </a:r>
             <a:endParaRPr lang="en-US" dirty="0"/>
@@ -367,35 +367,35 @@
           <a:p>
             <a:pPr lvl="0"/>
             <a:r>
-              <a:rPr lang="en-US" smtClean="0"/>
+              <a:rPr lang="en-US"/>
               <a:t>Edit Master text styles</a:t>
             </a:r>
           </a:p>
           <a:p>
             <a:pPr lvl="1"/>
             <a:r>
-              <a:rPr lang="en-US" smtClean="0"/>
+              <a:rPr lang="en-US"/>
               <a:t>Second level</a:t>
             </a:r>
           </a:p>
           <a:p>
             <a:pPr lvl="2"/>
             <a:r>
-              <a:rPr lang="en-US" smtClean="0"/>
+              <a:rPr lang="en-US"/>
               <a:t>Third level</a:t>
             </a:r>
           </a:p>
           <a:p>
             <a:pPr lvl="3"/>
             <a:r>
-              <a:rPr lang="en-US" smtClean="0"/>
+              <a:rPr lang="en-US"/>
               <a:t>Fourth level</a:t>
             </a:r>
           </a:p>
           <a:p>
             <a:pPr lvl="4"/>
             <a:r>
-              <a:rPr lang="en-US" smtClean="0"/>
+              <a:rPr lang="en-US"/>
               <a:t>Fifth level</a:t>
             </a:r>
             <a:endParaRPr lang="en-US" dirty="0"/>
@@ -518,7 +518,7 @@
           <a:lstStyle/>
           <a:p>
             <a:r>
-              <a:rPr lang="en-US" smtClean="0"/>
+              <a:rPr lang="en-US"/>
               <a:t>Click to edit Master title style</a:t>
             </a:r>
             <a:endParaRPr lang="en-US" dirty="0"/>
@@ -547,35 +547,35 @@
           <a:p>
             <a:pPr lvl="0"/>
             <a:r>
-              <a:rPr lang="en-US" smtClean="0"/>
+              <a:rPr lang="en-US"/>
               <a:t>Edit Master text styles</a:t>
             </a:r>
           </a:p>
           <a:p>
             <a:pPr lvl="1"/>
             <a:r>
-              <a:rPr lang="en-US" smtClean="0"/>
+              <a:rPr lang="en-US"/>
               <a:t>Second level</a:t>
             </a:r>
           </a:p>
           <a:p>
             <a:pPr lvl="2"/>
             <a:r>
-              <a:rPr lang="en-US" smtClean="0"/>
+              <a:rPr lang="en-US"/>
               <a:t>Third level</a:t>
             </a:r>
           </a:p>
           <a:p>
             <a:pPr lvl="3"/>
             <a:r>
-              <a:rPr lang="en-US" smtClean="0"/>
+              <a:rPr lang="en-US"/>
               <a:t>Fourth level</a:t>
             </a:r>
           </a:p>
           <a:p>
             <a:pPr lvl="4"/>
             <a:r>
-              <a:rPr lang="en-US" smtClean="0"/>
+              <a:rPr lang="en-US"/>
               <a:t>Fifth level</a:t>
             </a:r>
             <a:endParaRPr lang="en-US" dirty="0"/>
@@ -693,7 +693,7 @@
           <a:lstStyle/>
           <a:p>
             <a:r>
-              <a:rPr lang="en-US" smtClean="0"/>
+              <a:rPr lang="en-US"/>
               <a:t>Click to edit Master title style</a:t>
             </a:r>
             <a:endParaRPr lang="en-US" dirty="0"/>
@@ -717,35 +717,35 @@
           <a:p>
             <a:pPr lvl="0"/>
             <a:r>
-              <a:rPr lang="en-US" smtClean="0"/>
+              <a:rPr lang="en-US"/>
               <a:t>Edit Master text styles</a:t>
             </a:r>
           </a:p>
           <a:p>
             <a:pPr lvl="1"/>
             <a:r>
-              <a:rPr lang="en-US" smtClean="0"/>
+              <a:rPr lang="en-US"/>
               <a:t>Second level</a:t>
             </a:r>
           </a:p>
           <a:p>
             <a:pPr lvl="2"/>
             <a:r>
-              <a:rPr lang="en-US" smtClean="0"/>
+              <a:rPr lang="en-US"/>
               <a:t>Third level</a:t>
             </a:r>
           </a:p>
           <a:p>
             <a:pPr lvl="3"/>
             <a:r>
-              <a:rPr lang="en-US" smtClean="0"/>
+              <a:rPr lang="en-US"/>
               <a:t>Fourth level</a:t>
             </a:r>
           </a:p>
           <a:p>
             <a:pPr lvl="4"/>
             <a:r>
-              <a:rPr lang="en-US" smtClean="0"/>
+              <a:rPr lang="en-US"/>
               <a:t>Fifth level</a:t>
             </a:r>
             <a:endParaRPr lang="en-US" dirty="0"/>
@@ -872,7 +872,7 @@
           </a:lstStyle>
           <a:p>
             <a:r>
-              <a:rPr lang="en-US" smtClean="0"/>
+              <a:rPr lang="en-US"/>
               <a:t>Click to edit Master title style</a:t>
             </a:r>
             <a:endParaRPr lang="en-US" dirty="0"/>
@@ -990,7 +990,7 @@
           <a:p>
             <a:pPr lvl="0"/>
             <a:r>
-              <a:rPr lang="en-US" smtClean="0"/>
+              <a:rPr lang="en-US"/>
               <a:t>Edit Master text styles</a:t>
             </a:r>
           </a:p>
@@ -1107,7 +1107,7 @@
           <a:lstStyle/>
           <a:p>
             <a:r>
-              <a:rPr lang="en-US" smtClean="0"/>
+              <a:rPr lang="en-US"/>
               <a:t>Click to edit Master title style</a:t>
             </a:r>
             <a:endParaRPr lang="en-US" dirty="0"/>
@@ -1136,35 +1136,35 @@
           <a:p>
             <a:pPr lvl="0"/>
             <a:r>
-              <a:rPr lang="en-US" smtClean="0"/>
+              <a:rPr lang="en-US"/>
               <a:t>Edit Master text styles</a:t>
             </a:r>
           </a:p>
           <a:p>
             <a:pPr lvl="1"/>
             <a:r>
-              <a:rPr lang="en-US" smtClean="0"/>
+              <a:rPr lang="en-US"/>
               <a:t>Second level</a:t>
             </a:r>
           </a:p>
           <a:p>
             <a:pPr lvl="2"/>
             <a:r>
-              <a:rPr lang="en-US" smtClean="0"/>
+              <a:rPr lang="en-US"/>
               <a:t>Third level</a:t>
             </a:r>
           </a:p>
           <a:p>
             <a:pPr lvl="3"/>
             <a:r>
-              <a:rPr lang="en-US" smtClean="0"/>
+              <a:rPr lang="en-US"/>
               <a:t>Fourth level</a:t>
             </a:r>
           </a:p>
           <a:p>
             <a:pPr lvl="4"/>
             <a:r>
-              <a:rPr lang="en-US" smtClean="0"/>
+              <a:rPr lang="en-US"/>
               <a:t>Fifth level</a:t>
             </a:r>
             <a:endParaRPr lang="en-US" dirty="0"/>
@@ -1193,35 +1193,35 @@
           <a:p>
             <a:pPr lvl="0"/>
             <a:r>
-              <a:rPr lang="en-US" smtClean="0"/>
+              <a:rPr lang="en-US"/>
               <a:t>Edit Master text styles</a:t>
             </a:r>
           </a:p>
           <a:p>
             <a:pPr lvl="1"/>
             <a:r>
-              <a:rPr lang="en-US" smtClean="0"/>
+              <a:rPr lang="en-US"/>
               <a:t>Second level</a:t>
             </a:r>
           </a:p>
           <a:p>
             <a:pPr lvl="2"/>
             <a:r>
-              <a:rPr lang="en-US" smtClean="0"/>
+              <a:rPr lang="en-US"/>
               <a:t>Third level</a:t>
             </a:r>
           </a:p>
           <a:p>
             <a:pPr lvl="3"/>
             <a:r>
-              <a:rPr lang="en-US" smtClean="0"/>
+              <a:rPr lang="en-US"/>
               <a:t>Fourth level</a:t>
             </a:r>
           </a:p>
           <a:p>
             <a:pPr lvl="4"/>
             <a:r>
-              <a:rPr lang="en-US" smtClean="0"/>
+              <a:rPr lang="en-US"/>
               <a:t>Fifth level</a:t>
             </a:r>
             <a:endParaRPr lang="en-US" dirty="0"/>
@@ -1344,7 +1344,7 @@
           <a:lstStyle/>
           <a:p>
             <a:r>
-              <a:rPr lang="en-US" smtClean="0"/>
+              <a:rPr lang="en-US"/>
               <a:t>Click to edit Master title style</a:t>
             </a:r>
             <a:endParaRPr lang="en-US" dirty="0"/>
@@ -1410,7 +1410,7 @@
           <a:p>
             <a:pPr lvl="0"/>
             <a:r>
-              <a:rPr lang="en-US" smtClean="0"/>
+              <a:rPr lang="en-US"/>
               <a:t>Edit Master text styles</a:t>
             </a:r>
           </a:p>
@@ -1438,35 +1438,35 @@
           <a:p>
             <a:pPr lvl="0"/>
             <a:r>
-              <a:rPr lang="en-US" smtClean="0"/>
+              <a:rPr lang="en-US"/>
               <a:t>Edit Master text styles</a:t>
             </a:r>
           </a:p>
           <a:p>
             <a:pPr lvl="1"/>
             <a:r>
-              <a:rPr lang="en-US" smtClean="0"/>
+              <a:rPr lang="en-US"/>
               <a:t>Second level</a:t>
             </a:r>
           </a:p>
           <a:p>
             <a:pPr lvl="2"/>
             <a:r>
-              <a:rPr lang="en-US" smtClean="0"/>
+              <a:rPr lang="en-US"/>
               <a:t>Third level</a:t>
             </a:r>
           </a:p>
           <a:p>
             <a:pPr lvl="3"/>
             <a:r>
-              <a:rPr lang="en-US" smtClean="0"/>
+              <a:rPr lang="en-US"/>
               <a:t>Fourth level</a:t>
             </a:r>
           </a:p>
           <a:p>
             <a:pPr lvl="4"/>
             <a:r>
-              <a:rPr lang="en-US" smtClean="0"/>
+              <a:rPr lang="en-US"/>
               <a:t>Fifth level</a:t>
             </a:r>
             <a:endParaRPr lang="en-US" dirty="0"/>
@@ -1532,7 +1532,7 @@
           <a:p>
             <a:pPr lvl="0"/>
             <a:r>
-              <a:rPr lang="en-US" smtClean="0"/>
+              <a:rPr lang="en-US"/>
               <a:t>Edit Master text styles</a:t>
             </a:r>
           </a:p>
@@ -1560,35 +1560,35 @@
           <a:p>
             <a:pPr lvl="0"/>
             <a:r>
-              <a:rPr lang="en-US" smtClean="0"/>
+              <a:rPr lang="en-US"/>
               <a:t>Edit Master text styles</a:t>
             </a:r>
           </a:p>
           <a:p>
             <a:pPr lvl="1"/>
             <a:r>
-              <a:rPr lang="en-US" smtClean="0"/>
+              <a:rPr lang="en-US"/>
               <a:t>Second level</a:t>
             </a:r>
           </a:p>
           <a:p>
             <a:pPr lvl="2"/>
             <a:r>
-              <a:rPr lang="en-US" smtClean="0"/>
+              <a:rPr lang="en-US"/>
               <a:t>Third level</a:t>
             </a:r>
           </a:p>
           <a:p>
             <a:pPr lvl="3"/>
             <a:r>
-              <a:rPr lang="en-US" smtClean="0"/>
+              <a:rPr lang="en-US"/>
               <a:t>Fourth level</a:t>
             </a:r>
           </a:p>
           <a:p>
             <a:pPr lvl="4"/>
             <a:r>
-              <a:rPr lang="en-US" smtClean="0"/>
+              <a:rPr lang="en-US"/>
               <a:t>Fifth level</a:t>
             </a:r>
             <a:endParaRPr lang="en-US" dirty="0"/>
@@ -1706,7 +1706,7 @@
           <a:lstStyle/>
           <a:p>
             <a:r>
-              <a:rPr lang="en-US" smtClean="0"/>
+              <a:rPr lang="en-US"/>
               <a:t>Click to edit Master title style</a:t>
             </a:r>
             <a:endParaRPr lang="en-US" dirty="0"/>
@@ -1928,7 +1928,7 @@
           </a:lstStyle>
           <a:p>
             <a:r>
-              <a:rPr lang="en-US" smtClean="0"/>
+              <a:rPr lang="en-US"/>
               <a:t>Click to edit Master title style</a:t>
             </a:r>
             <a:endParaRPr lang="en-US" dirty="0"/>
@@ -1985,35 +1985,35 @@
           <a:p>
             <a:pPr lvl="0"/>
             <a:r>
-              <a:rPr lang="en-US" smtClean="0"/>
+              <a:rPr lang="en-US"/>
               <a:t>Edit Master text styles</a:t>
             </a:r>
           </a:p>
           <a:p>
             <a:pPr lvl="1"/>
             <a:r>
-              <a:rPr lang="en-US" smtClean="0"/>
+              <a:rPr lang="en-US"/>
               <a:t>Second level</a:t>
             </a:r>
           </a:p>
           <a:p>
             <a:pPr lvl="2"/>
             <a:r>
-              <a:rPr lang="en-US" smtClean="0"/>
+              <a:rPr lang="en-US"/>
               <a:t>Third level</a:t>
             </a:r>
           </a:p>
           <a:p>
             <a:pPr lvl="3"/>
             <a:r>
-              <a:rPr lang="en-US" smtClean="0"/>
+              <a:rPr lang="en-US"/>
               <a:t>Fourth level</a:t>
             </a:r>
           </a:p>
           <a:p>
             <a:pPr lvl="4"/>
             <a:r>
-              <a:rPr lang="en-US" smtClean="0"/>
+              <a:rPr lang="en-US"/>
               <a:t>Fifth level</a:t>
             </a:r>
             <a:endParaRPr lang="en-US" dirty="0"/>
@@ -2079,7 +2079,7 @@
           <a:p>
             <a:pPr lvl="0"/>
             <a:r>
-              <a:rPr lang="en-US" smtClean="0"/>
+              <a:rPr lang="en-US"/>
               <a:t>Edit Master text styles</a:t>
             </a:r>
           </a:p>
@@ -2205,7 +2205,7 @@
           </a:lstStyle>
           <a:p>
             <a:r>
-              <a:rPr lang="en-US" smtClean="0"/>
+              <a:rPr lang="en-US"/>
               <a:t>Click to edit Master title style</a:t>
             </a:r>
             <a:endParaRPr lang="en-US" dirty="0"/>
@@ -2270,7 +2270,7 @@
           </a:lstStyle>
           <a:p>
             <a:r>
-              <a:rPr lang="en-US" smtClean="0"/>
+              <a:rPr lang="en-US"/>
               <a:t>Click icon to add picture</a:t>
             </a:r>
             <a:endParaRPr lang="en-US" dirty="0"/>
@@ -2336,7 +2336,7 @@
           <a:p>
             <a:pPr lvl="0"/>
             <a:r>
-              <a:rPr lang="en-US" smtClean="0"/>
+              <a:rPr lang="en-US"/>
               <a:t>Edit Master text styles</a:t>
             </a:r>
           </a:p>
@@ -2468,7 +2468,7 @@
           <a:lstStyle/>
           <a:p>
             <a:r>
-              <a:rPr lang="en-US" smtClean="0"/>
+              <a:rPr lang="en-US"/>
               <a:t>Click to edit Master title style</a:t>
             </a:r>
             <a:endParaRPr lang="en-US" dirty="0"/>
@@ -2502,35 +2502,35 @@
           <a:p>
             <a:pPr lvl="0"/>
             <a:r>
-              <a:rPr lang="en-US" smtClean="0"/>
+              <a:rPr lang="en-US"/>
               <a:t>Edit Master text styles</a:t>
             </a:r>
           </a:p>
           <a:p>
             <a:pPr lvl="1"/>
             <a:r>
-              <a:rPr lang="en-US" smtClean="0"/>
+              <a:rPr lang="en-US"/>
               <a:t>Second level</a:t>
             </a:r>
           </a:p>
           <a:p>
             <a:pPr lvl="2"/>
             <a:r>
-              <a:rPr lang="en-US" smtClean="0"/>
+              <a:rPr lang="en-US"/>
               <a:t>Third level</a:t>
             </a:r>
           </a:p>
           <a:p>
             <a:pPr lvl="3"/>
             <a:r>
-              <a:rPr lang="en-US" smtClean="0"/>
+              <a:rPr lang="en-US"/>
               <a:t>Fourth level</a:t>
             </a:r>
           </a:p>
           <a:p>
             <a:pPr lvl="4"/>
             <a:r>
-              <a:rPr lang="en-US" smtClean="0"/>
+              <a:rPr lang="en-US"/>
               <a:t>Fifth level</a:t>
             </a:r>
             <a:endParaRPr lang="en-US" dirty="0"/>
@@ -3000,18 +3000,9 @@
           <a:lstStyle/>
           <a:p>
             <a:r>
-              <a:rPr lang="en-US" dirty="0" smtClean="0"/>
-              <a:t>Analyzing </a:t>
-            </a:r>
-            <a:r>
-              <a:rPr lang="en-US" dirty="0" smtClean="0"/>
-              <a:t>the frequency </a:t>
-            </a:r>
-            <a:r>
-              <a:rPr lang="en-US" dirty="0" smtClean="0"/>
-              <a:t>of construction issues</a:t>
-            </a:r>
-            <a:endParaRPr lang="en-US" dirty="0"/>
+              <a:rPr lang="en-US" dirty="0"/>
+              <a:t>Analyzing the frequency of construction issues</a:t>
+            </a:r>
           </a:p>
         </p:txBody>
       </p:sp>
@@ -3031,10 +3022,9 @@
           <a:lstStyle/>
           <a:p>
             <a:r>
-              <a:rPr lang="en-US" dirty="0" smtClean="0"/>
+              <a:rPr lang="en-US" dirty="0"/>
               <a:t>Amber V, TZ and MJ</a:t>
             </a:r>
-            <a:endParaRPr lang="en-US" dirty="0"/>
           </a:p>
         </p:txBody>
       </p:sp>
@@ -3048,13 +3038,6 @@
   <p:clrMapOvr>
     <a:masterClrMapping/>
   </p:clrMapOvr>
-  <p:timing>
-    <p:tnLst>
-      <p:par>
-        <p:cTn id="1" dur="indefinite" restart="never" nodeType="tmRoot"/>
-      </p:par>
-    </p:tnLst>
-  </p:timing>
 </p:sld>
 </file>
 
@@ -3091,10 +3074,9 @@
           <a:lstStyle/>
           <a:p>
             <a:r>
-              <a:rPr lang="en-US" dirty="0" smtClean="0"/>
+              <a:rPr lang="en-US" dirty="0"/>
               <a:t>Goal of Project</a:t>
             </a:r>
-            <a:endParaRPr lang="en-US" dirty="0"/>
           </a:p>
         </p:txBody>
       </p:sp>
@@ -3121,85 +3103,48 @@
           <a:lstStyle/>
           <a:p>
             <a:r>
-              <a:rPr lang="en-US" dirty="0" smtClean="0"/>
+              <a:rPr lang="en-US" dirty="0"/>
               <a:t>To understand the main drivers of issues that arise in construction projects</a:t>
             </a:r>
           </a:p>
           <a:p>
             <a:r>
-              <a:rPr lang="en-US" dirty="0" smtClean="0"/>
+              <a:rPr lang="en-US" dirty="0"/>
               <a:t>During planning and construction phases of a project, issues arise that need to be dealt with</a:t>
             </a:r>
           </a:p>
           <a:p>
             <a:pPr lvl="1"/>
             <a:r>
-              <a:rPr lang="en-US" dirty="0" smtClean="0"/>
+              <a:rPr lang="en-US" dirty="0"/>
               <a:t>These issues can increase re-work on the project</a:t>
             </a:r>
           </a:p>
           <a:p>
             <a:pPr lvl="1"/>
             <a:r>
-              <a:rPr lang="en-US" dirty="0" smtClean="0"/>
+              <a:rPr lang="en-US" dirty="0"/>
               <a:t>These issues can have a profound impact on overall safety</a:t>
             </a:r>
           </a:p>
           <a:p>
             <a:pPr lvl="1"/>
             <a:r>
-              <a:rPr lang="en-US" dirty="0" smtClean="0"/>
+              <a:rPr lang="en-US" dirty="0"/>
               <a:t>These issues delay the completion of the project</a:t>
             </a:r>
           </a:p>
           <a:p>
             <a:pPr lvl="1"/>
             <a:r>
-              <a:rPr lang="en-US" dirty="0" smtClean="0"/>
-              <a:t>These issues therefore cost the construction firm </a:t>
-            </a:r>
-            <a:r>
-              <a:rPr lang="en-US" dirty="0" smtClean="0"/>
-              <a:t>money $$$</a:t>
-            </a:r>
-            <a:endParaRPr lang="en-US" dirty="0" smtClean="0"/>
-          </a:p>
-          <a:p>
-            <a:r>
-              <a:rPr lang="en-US" dirty="0" smtClean="0"/>
-              <a:t>The goal of this </a:t>
-            </a:r>
-            <a:r>
-              <a:rPr lang="en-US" dirty="0" smtClean="0"/>
-              <a:t>exercise </a:t>
-            </a:r>
-            <a:r>
-              <a:rPr lang="en-US" dirty="0" smtClean="0"/>
-              <a:t>is to use </a:t>
-            </a:r>
-            <a:r>
-              <a:rPr lang="en-US" dirty="0" smtClean="0"/>
-              <a:t>the existing </a:t>
-            </a:r>
-            <a:r>
-              <a:rPr lang="en-US" dirty="0" smtClean="0"/>
-              <a:t>data from </a:t>
-            </a:r>
-            <a:r>
-              <a:rPr lang="en-US" dirty="0" smtClean="0"/>
-              <a:t>110 </a:t>
-            </a:r>
-            <a:r>
-              <a:rPr lang="en-US" dirty="0" smtClean="0"/>
-              <a:t>construction </a:t>
-            </a:r>
-            <a:r>
-              <a:rPr lang="en-US" dirty="0" smtClean="0"/>
-              <a:t>projects </a:t>
-            </a:r>
-            <a:r>
-              <a:rPr lang="en-US" dirty="0" smtClean="0"/>
-              <a:t>to see if we could identify issues that come up often</a:t>
+              <a:rPr lang="en-US" dirty="0"/>
+              <a:t>These issues therefore cost the construction firm money $$$</a:t>
+            </a:r>
+          </a:p>
+          <a:p>
+            <a:r>
+              <a:rPr lang="en-US" dirty="0"/>
+              <a:t>The goal of this exercise is to use the existing data from 110 construction projects to see if we could identify issues that come up often</a:t>
             </a:r>
           </a:p>
           <a:p>
@@ -3217,13 +3162,6 @@
   <p:clrMapOvr>
     <a:masterClrMapping/>
   </p:clrMapOvr>
-  <p:timing>
-    <p:tnLst>
-      <p:par>
-        <p:cTn id="1" dur="indefinite" restart="never" nodeType="tmRoot"/>
-      </p:par>
-    </p:tnLst>
-  </p:timing>
 </p:sld>
 </file>
 
@@ -3260,10 +3198,9 @@
           <a:lstStyle/>
           <a:p>
             <a:r>
-              <a:rPr lang="en-US" dirty="0" smtClean="0"/>
+              <a:rPr lang="en-US" dirty="0"/>
               <a:t>The steps involved in the project</a:t>
             </a:r>
-            <a:endParaRPr lang="en-US" dirty="0"/>
           </a:p>
         </p:txBody>
       </p:sp>
@@ -3294,16 +3231,8 @@
               <a:buAutoNum type="arabicPeriod"/>
             </a:pPr>
             <a:r>
-              <a:rPr lang="en-US" dirty="0" smtClean="0"/>
-              <a:t>Gather, </a:t>
-            </a:r>
-            <a:r>
-              <a:rPr lang="en-US" dirty="0" smtClean="0"/>
-              <a:t>aggregate, </a:t>
-            </a:r>
-            <a:r>
-              <a:rPr lang="en-US" dirty="0" smtClean="0"/>
-              <a:t>and clean the data</a:t>
+              <a:rPr lang="en-US" dirty="0"/>
+              <a:t>Gather, aggregate, and clean the data</a:t>
             </a:r>
           </a:p>
           <a:p>
@@ -3312,16 +3241,8 @@
               <a:buAutoNum type="arabicPeriod"/>
             </a:pPr>
             <a:r>
-              <a:rPr lang="en-US" dirty="0" smtClean="0"/>
-              <a:t>Analyze the existing “</a:t>
-            </a:r>
-            <a:r>
-              <a:rPr lang="en-US" dirty="0" smtClean="0"/>
-              <a:t>issues” </a:t>
-            </a:r>
-            <a:r>
-              <a:rPr lang="en-US" dirty="0" smtClean="0"/>
-              <a:t>in the pre-existing data</a:t>
+              <a:rPr lang="en-US" dirty="0"/>
+              <a:t>Analyze the existing “issues” in the pre-existing data</a:t>
             </a:r>
           </a:p>
           <a:p>
@@ -3330,7 +3251,7 @@
               <a:buAutoNum type="arabicPeriod"/>
             </a:pPr>
             <a:r>
-              <a:rPr lang="en-US" dirty="0" smtClean="0"/>
+              <a:rPr lang="en-US" dirty="0"/>
               <a:t>Problems: </a:t>
             </a:r>
           </a:p>
@@ -3340,7 +3261,7 @@
               <a:buAutoNum type="arabicPeriod"/>
             </a:pPr>
             <a:r>
-              <a:rPr lang="en-US" dirty="0" smtClean="0"/>
+              <a:rPr lang="en-US" dirty="0"/>
               <a:t>Issues are not always described in detail</a:t>
             </a:r>
           </a:p>
@@ -3350,14 +3271,9 @@
               <a:buAutoNum type="arabicPeriod"/>
             </a:pPr>
             <a:r>
-              <a:rPr lang="en-US" dirty="0" smtClean="0"/>
-              <a:t>Issues are not always consistently documented between various </a:t>
-            </a:r>
-            <a:r>
-              <a:rPr lang="en-US" dirty="0" smtClean="0"/>
-              <a:t>projects</a:t>
-            </a:r>
-            <a:endParaRPr lang="en-US" dirty="0" smtClean="0"/>
+              <a:rPr lang="en-US" dirty="0"/>
+              <a:t>Issues are not always consistently documented between various projects</a:t>
+            </a:r>
           </a:p>
           <a:p>
             <a:pPr marL="971550" lvl="1" indent="-514350">
@@ -3365,7 +3281,7 @@
               <a:buAutoNum type="arabicPeriod"/>
             </a:pPr>
             <a:r>
-              <a:rPr lang="en-US" dirty="0" smtClean="0"/>
+              <a:rPr lang="en-US" dirty="0"/>
               <a:t>Issues are frequently miss- categorized</a:t>
             </a:r>
           </a:p>
@@ -3375,7 +3291,7 @@
               <a:buAutoNum type="arabicPeriod"/>
             </a:pPr>
             <a:r>
-              <a:rPr lang="en-US" dirty="0" smtClean="0"/>
+              <a:rPr lang="en-US" dirty="0"/>
               <a:t>Documenting issues is prone to human errors</a:t>
             </a:r>
           </a:p>
@@ -3392,24 +3308,8 @@
               <a:buAutoNum type="arabicPeriod"/>
             </a:pPr>
             <a:r>
-              <a:rPr lang="en-US" dirty="0" smtClean="0"/>
-              <a:t>Solution</a:t>
-            </a:r>
-            <a:r>
-              <a:rPr lang="en-US" dirty="0" smtClean="0"/>
-              <a:t>: </a:t>
-            </a:r>
-            <a:r>
               <a:rPr lang="en-US" dirty="0"/>
-              <a:t>use machine learning to better identify common </a:t>
-            </a:r>
-            <a:r>
-              <a:rPr lang="en-US" dirty="0" smtClean="0"/>
-              <a:t>issue topics associated with </a:t>
-            </a:r>
-            <a:r>
-              <a:rPr lang="en-US" dirty="0"/>
-              <a:t>the construction process</a:t>
+              <a:t>Solution: use machine learning to better identify common issue topics associated with the construction process</a:t>
             </a:r>
           </a:p>
           <a:p>
@@ -3418,10 +3318,9 @@
               <a:buAutoNum type="arabicPeriod"/>
             </a:pPr>
             <a:r>
-              <a:rPr lang="en-US" dirty="0" smtClean="0"/>
+              <a:rPr lang="en-US" dirty="0"/>
               <a:t>Machine learning technique: LDA topic modeling</a:t>
             </a:r>
-            <a:endParaRPr lang="en-US" dirty="0"/>
           </a:p>
         </p:txBody>
       </p:sp>
@@ -3435,13 +3334,6 @@
   <p:clrMapOvr>
     <a:masterClrMapping/>
   </p:clrMapOvr>
-  <p:timing>
-    <p:tnLst>
-      <p:par>
-        <p:cTn id="1" dur="indefinite" restart="never" nodeType="tmRoot"/>
-      </p:par>
-    </p:tnLst>
-  </p:timing>
 </p:sld>
 </file>
 
@@ -3478,10 +3370,9 @@
           <a:lstStyle/>
           <a:p>
             <a:r>
-              <a:rPr lang="en-US" dirty="0" smtClean="0"/>
+              <a:rPr lang="en-US" dirty="0"/>
               <a:t>First glance…(before machine learning)</a:t>
             </a:r>
-            <a:endParaRPr lang="en-US" dirty="0"/>
           </a:p>
         </p:txBody>
       </p:sp>
@@ -3501,7 +3392,7 @@
           <a:lstStyle/>
           <a:p>
             <a:r>
-              <a:rPr lang="en-US" dirty="0" smtClean="0"/>
+              <a:rPr lang="en-US" dirty="0"/>
               <a:t>The following few slides illustrate some patterns we see among different projects and issues (as currently described in the dataset)</a:t>
             </a:r>
           </a:p>
@@ -3558,6 +3449,36 @@
           </a:prstGeom>
         </p:spPr>
       </p:pic>
+      <p:pic>
+        <p:nvPicPr>
+          <p:cNvPr id="6" name="Picture 5">
+            <a:extLst>
+              <a:ext uri="{FF2B5EF4-FFF2-40B4-BE49-F238E27FC236}">
+                <a16:creationId xmlns:a16="http://schemas.microsoft.com/office/drawing/2014/main" id="{1B6D4982-2FF2-4643-B25A-CB5AF4710305}"/>
+              </a:ext>
+            </a:extLst>
+          </p:cNvPr>
+          <p:cNvPicPr>
+            <a:picLocks noChangeAspect="1"/>
+          </p:cNvPicPr>
+          <p:nvPr/>
+        </p:nvPicPr>
+        <p:blipFill>
+          <a:blip r:embed="rId4"/>
+          <a:stretch>
+            <a:fillRect/>
+          </a:stretch>
+        </p:blipFill>
+        <p:spPr>
+          <a:xfrm>
+            <a:off x="8881533" y="2618755"/>
+            <a:ext cx="2655810" cy="3274784"/>
+          </a:xfrm>
+          <a:prstGeom prst="rect">
+            <a:avLst/>
+          </a:prstGeom>
+        </p:spPr>
+      </p:pic>
     </p:spTree>
     <p:extLst>
       <p:ext uri="{BB962C8B-B14F-4D97-AF65-F5344CB8AC3E}">
@@ -3568,13 +3489,6 @@
   <p:clrMapOvr>
     <a:masterClrMapping/>
   </p:clrMapOvr>
-  <p:timing>
-    <p:tnLst>
-      <p:par>
-        <p:cTn id="1" dur="indefinite" restart="never" nodeType="tmRoot"/>
-      </p:par>
-    </p:tnLst>
-  </p:timing>
 </p:sld>
 </file>
 
@@ -3611,10 +3525,9 @@
           <a:lstStyle/>
           <a:p>
             <a:r>
-              <a:rPr lang="en-US" dirty="0" smtClean="0"/>
+              <a:rPr lang="en-US" dirty="0"/>
               <a:t>Machine learning steps</a:t>
             </a:r>
-            <a:endParaRPr lang="en-US" dirty="0"/>
           </a:p>
         </p:txBody>
       </p:sp>
@@ -3634,22 +3547,21 @@
           <a:lstStyle/>
           <a:p>
             <a:r>
-              <a:rPr lang="en-US" dirty="0" smtClean="0"/>
+              <a:rPr lang="en-US" dirty="0"/>
               <a:t>We applied LDA machine learning techniques on the description of issues in the original dataset</a:t>
             </a:r>
           </a:p>
           <a:p>
             <a:r>
-              <a:rPr lang="en-US" dirty="0" smtClean="0"/>
+              <a:rPr lang="en-US" dirty="0"/>
               <a:t>After applying LDA, we came up with 20 topics</a:t>
             </a:r>
           </a:p>
           <a:p>
             <a:r>
-              <a:rPr lang="en-US" dirty="0" smtClean="0"/>
+              <a:rPr lang="en-US" dirty="0"/>
               <a:t>The next slides demonstrates the distribution of issues that come up after we applied machine learning</a:t>
             </a:r>
-            <a:endParaRPr lang="en-US" dirty="0"/>
           </a:p>
         </p:txBody>
       </p:sp>
@@ -3663,13 +3575,6 @@
   <p:clrMapOvr>
     <a:masterClrMapping/>
   </p:clrMapOvr>
-  <p:timing>
-    <p:tnLst>
-      <p:par>
-        <p:cTn id="1" dur="indefinite" restart="never" nodeType="tmRoot"/>
-      </p:par>
-    </p:tnLst>
-  </p:timing>
 </p:sld>
 </file>
 
@@ -3762,13 +3667,6 @@
   <p:clrMapOvr>
     <a:masterClrMapping/>
   </p:clrMapOvr>
-  <p:timing>
-    <p:tnLst>
-      <p:par>
-        <p:cTn id="1" dur="indefinite" restart="never" nodeType="tmRoot"/>
-      </p:par>
-    </p:tnLst>
-  </p:timing>
 </p:sld>
 </file>
 
@@ -3835,13 +3733,6 @@
   <p:clrMapOvr>
     <a:masterClrMapping/>
   </p:clrMapOvr>
-  <p:timing>
-    <p:tnLst>
-      <p:par>
-        <p:cTn id="1" dur="indefinite" restart="never" nodeType="tmRoot"/>
-      </p:par>
-    </p:tnLst>
-  </p:timing>
 </p:sld>
 </file>
 
